--- a/Healthcare-Analysis/Healthcare Analysis.pptx
+++ b/Healthcare-Analysis/Healthcare Analysis.pptx
@@ -8888,7 +8888,29 @@
                   </a:schemeClr>
                 </a:solidFill>
               </a:rPr>
-              <a:t>The project aim to address and analyse the behavioural data, where we can predict treatment outcomes, potential risks for chronic illness. The health data collected can be used for risk scoring , readmission prediction and prevention, predicting infection and deterioration and so much more at the individual patient level.</a:t>
+              <a:t>The project aims to address and analyse </a:t>
+            </a:r>
+            <a:r>
+              <a:rPr lang="en-IN" sz="2000" i="1" dirty="0" err="1">
+                <a:solidFill>
+                  <a:schemeClr val="tx1">
+                    <a:lumMod val="95000"/>
+                    <a:lumOff val="5000"/>
+                  </a:schemeClr>
+                </a:solidFill>
+              </a:rPr>
+              <a:t>behavioral</a:t>
+            </a:r>
+            <a:r>
+              <a:rPr lang="en-IN" sz="2000" i="1" dirty="0">
+                <a:solidFill>
+                  <a:schemeClr val="tx1">
+                    <a:lumMod val="95000"/>
+                    <a:lumOff val="5000"/>
+                  </a:schemeClr>
+                </a:solidFill>
+              </a:rPr>
+              <a:t> data, where we can predict treatment outcomes and potential risks for chronic illness. The health data collected can be used for risk scoring, readmission prediction and prevention, predicting infection and deterioration and so much more at the individual patient level.</a:t>
             </a:r>
           </a:p>
         </p:txBody>
